--- a/content/3-cc310/07-searching-sorting/04-quick-slides.pptx
+++ b/content/3-cc310/07-searching-sorting/04-quick-slides.pptx
@@ -252,7 +252,7 @@
           <a:p>
             <a:fld id="{7965C686-E975-4851-995B-B3B455D4CBEA}" type="datetimeFigureOut">
               <a:rPr lang="en-US" smtClean="0"/>
-              <a:t>3/6/2020</a:t>
+              <a:t>3/20/2020</a:t>
             </a:fld>
             <a:endParaRPr lang="en-US"/>
           </a:p>
@@ -5035,7 +5035,7 @@
           <a:p>
             <a:fld id="{6B9CC98C-563E-4F7D-9927-73EC4AAC1618}" type="datetimeFigureOut">
               <a:rPr lang="en-US" smtClean="0"/>
-              <a:t>3/6/2020</a:t>
+              <a:t>3/20/2020</a:t>
             </a:fld>
             <a:endParaRPr lang="en-US"/>
           </a:p>
@@ -5233,7 +5233,7 @@
           <a:p>
             <a:fld id="{6B9CC98C-563E-4F7D-9927-73EC4AAC1618}" type="datetimeFigureOut">
               <a:rPr lang="en-US" smtClean="0"/>
-              <a:t>3/6/2020</a:t>
+              <a:t>3/20/2020</a:t>
             </a:fld>
             <a:endParaRPr lang="en-US"/>
           </a:p>
@@ -5441,7 +5441,7 @@
           <a:p>
             <a:fld id="{6B9CC98C-563E-4F7D-9927-73EC4AAC1618}" type="datetimeFigureOut">
               <a:rPr lang="en-US" smtClean="0"/>
-              <a:t>3/6/2020</a:t>
+              <a:t>3/20/2020</a:t>
             </a:fld>
             <a:endParaRPr lang="en-US"/>
           </a:p>
@@ -5639,7 +5639,7 @@
           <a:p>
             <a:fld id="{6B9CC98C-563E-4F7D-9927-73EC4AAC1618}" type="datetimeFigureOut">
               <a:rPr lang="en-US" smtClean="0"/>
-              <a:t>3/6/2020</a:t>
+              <a:t>3/20/2020</a:t>
             </a:fld>
             <a:endParaRPr lang="en-US"/>
           </a:p>
@@ -5914,7 +5914,7 @@
           <a:p>
             <a:fld id="{6B9CC98C-563E-4F7D-9927-73EC4AAC1618}" type="datetimeFigureOut">
               <a:rPr lang="en-US" smtClean="0"/>
-              <a:t>3/6/2020</a:t>
+              <a:t>3/20/2020</a:t>
             </a:fld>
             <a:endParaRPr lang="en-US"/>
           </a:p>
@@ -6179,7 +6179,7 @@
           <a:p>
             <a:fld id="{6B9CC98C-563E-4F7D-9927-73EC4AAC1618}" type="datetimeFigureOut">
               <a:rPr lang="en-US" smtClean="0"/>
-              <a:t>3/6/2020</a:t>
+              <a:t>3/20/2020</a:t>
             </a:fld>
             <a:endParaRPr lang="en-US"/>
           </a:p>
@@ -6591,7 +6591,7 @@
           <a:p>
             <a:fld id="{6B9CC98C-563E-4F7D-9927-73EC4AAC1618}" type="datetimeFigureOut">
               <a:rPr lang="en-US" smtClean="0"/>
-              <a:t>3/6/2020</a:t>
+              <a:t>3/20/2020</a:t>
             </a:fld>
             <a:endParaRPr lang="en-US"/>
           </a:p>
@@ -6732,7 +6732,7 @@
           <a:p>
             <a:fld id="{6B9CC98C-563E-4F7D-9927-73EC4AAC1618}" type="datetimeFigureOut">
               <a:rPr lang="en-US" smtClean="0"/>
-              <a:t>3/6/2020</a:t>
+              <a:t>3/20/2020</a:t>
             </a:fld>
             <a:endParaRPr lang="en-US"/>
           </a:p>
@@ -6845,7 +6845,7 @@
           <a:p>
             <a:fld id="{6B9CC98C-563E-4F7D-9927-73EC4AAC1618}" type="datetimeFigureOut">
               <a:rPr lang="en-US" smtClean="0"/>
-              <a:t>3/6/2020</a:t>
+              <a:t>3/20/2020</a:t>
             </a:fld>
             <a:endParaRPr lang="en-US"/>
           </a:p>
@@ -7156,7 +7156,7 @@
           <a:p>
             <a:fld id="{6B9CC98C-563E-4F7D-9927-73EC4AAC1618}" type="datetimeFigureOut">
               <a:rPr lang="en-US" smtClean="0"/>
-              <a:t>3/6/2020</a:t>
+              <a:t>3/20/2020</a:t>
             </a:fld>
             <a:endParaRPr lang="en-US"/>
           </a:p>
@@ -7448,7 +7448,7 @@
           <a:p>
             <a:fld id="{6B9CC98C-563E-4F7D-9927-73EC4AAC1618}" type="datetimeFigureOut">
               <a:rPr lang="en-US" smtClean="0"/>
-              <a:t>3/6/2020</a:t>
+              <a:t>3/20/2020</a:t>
             </a:fld>
             <a:endParaRPr lang="en-US"/>
           </a:p>
@@ -7527,9 +7527,7 @@
     <p:bg>
       <p:bgPr>
         <a:solidFill>
-          <a:schemeClr val="bg1">
-            <a:lumMod val="85000"/>
-          </a:schemeClr>
+          <a:srgbClr val="C0C0C0"/>
         </a:solidFill>
         <a:effectLst/>
       </p:bgPr>
@@ -7571,8 +7569,17 @@
               </a:srgbClr>
               <a:prstClr val="white"/>
             </a:duotone>
-            <a:alphaModFix amt="35000"/>
+            <a:alphaModFix amt="61000"/>
             <a:extLst>
+              <a:ext uri="{BEBA8EAE-BF5A-486C-A8C5-ECC9F3942E4B}">
+                <a14:imgProps xmlns:a14="http://schemas.microsoft.com/office/drawing/2010/main">
+                  <a14:imgLayer r:embed="rId14">
+                    <a14:imgEffect>
+                      <a14:saturation sat="94000"/>
+                    </a14:imgEffect>
+                  </a14:imgLayer>
+                </a14:imgProps>
+              </a:ext>
               <a:ext uri="{28A0092B-C50C-407E-A947-70E740481C1C}">
                 <a14:useLocalDpi xmlns:a14="http://schemas.microsoft.com/office/drawing/2010/main" val="0"/>
               </a:ext>
@@ -7739,7 +7746,7 @@
           <a:p>
             <a:fld id="{6B9CC98C-563E-4F7D-9927-73EC4AAC1618}" type="datetimeFigureOut">
               <a:rPr lang="en-US" smtClean="0"/>
-              <a:t>3/6/2020</a:t>
+              <a:t>3/20/2020</a:t>
             </a:fld>
             <a:endParaRPr lang="en-US"/>
           </a:p>
@@ -45621,6 +45628,12 @@
 </file>
 
 <file path=customXml/item1.xml><?xml version="1.0" encoding="utf-8"?>
+<p:properties xmlns:p="http://schemas.microsoft.com/office/2006/metadata/properties" xmlns:xsi="http://www.w3.org/2001/XMLSchema-instance" xmlns:pc="http://schemas.microsoft.com/office/infopath/2007/PartnerControls">
+  <documentManagement/>
+</p:properties>
+</file>
+
+<file path=customXml/item2.xml><?xml version="1.0" encoding="utf-8"?>
 <ct:contentTypeSchema xmlns:ct="http://schemas.microsoft.com/office/2006/metadata/contentType" xmlns:ma="http://schemas.microsoft.com/office/2006/metadata/properties/metaAttributes" ct:_="" ma:_="" ma:contentTypeName="Document" ma:contentTypeID="0x01010083F0F5F090D6FE4C9D66FF879A7CC7B3" ma:contentTypeVersion="9" ma:contentTypeDescription="Create a new document." ma:contentTypeScope="" ma:versionID="606f2283565418712a5a3267706a5f5d">
   <xsd:schema xmlns:xsd="http://www.w3.org/2001/XMLSchema" xmlns:xs="http://www.w3.org/2001/XMLSchema" xmlns:p="http://schemas.microsoft.com/office/2006/metadata/properties" xmlns:ns2="58c44ba5-51a4-40bc-b9f0-9fe2032e2130" targetNamespace="http://schemas.microsoft.com/office/2006/metadata/properties" ma:root="true" ma:fieldsID="0d021ce73d87f7988edb471f4256858c" ns2:_="">
     <xsd:import namespace="58c44ba5-51a4-40bc-b9f0-9fe2032e2130"/>
@@ -45798,7 +45811,7 @@
 </ct:contentTypeSchema>
 </file>
 
-<file path=customXml/item2.xml><?xml version="1.0" encoding="utf-8"?>
+<file path=customXml/item3.xml><?xml version="1.0" encoding="utf-8"?>
 <?mso-contentType ?>
 <FormTemplates xmlns="http://schemas.microsoft.com/sharepoint/v3/contenttype/forms">
   <Display>DocumentLibraryForm</Display>
@@ -45807,13 +45820,23 @@
 </FormTemplates>
 </file>
 
-<file path=customXml/item3.xml><?xml version="1.0" encoding="utf-8"?>
-<p:properties xmlns:p="http://schemas.microsoft.com/office/2006/metadata/properties" xmlns:xsi="http://www.w3.org/2001/XMLSchema-instance" xmlns:pc="http://schemas.microsoft.com/office/infopath/2007/PartnerControls">
-  <documentManagement/>
-</p:properties>
+<file path=customXml/itemProps1.xml><?xml version="1.0" encoding="utf-8"?>
+<ds:datastoreItem xmlns:ds="http://schemas.openxmlformats.org/officeDocument/2006/customXml" ds:itemID="{E36B5C00-A49D-4F91-89B2-E9D01A16B433}">
+  <ds:schemaRefs>
+    <ds:schemaRef ds:uri="http://purl.org/dc/elements/1.1/"/>
+    <ds:schemaRef ds:uri="http://schemas.microsoft.com/office/2006/metadata/properties"/>
+    <ds:schemaRef ds:uri="58c44ba5-51a4-40bc-b9f0-9fe2032e2130"/>
+    <ds:schemaRef ds:uri="http://purl.org/dc/terms/"/>
+    <ds:schemaRef ds:uri="http://schemas.openxmlformats.org/package/2006/metadata/core-properties"/>
+    <ds:schemaRef ds:uri="http://purl.org/dc/dcmitype/"/>
+    <ds:schemaRef ds:uri="http://schemas.microsoft.com/office/infopath/2007/PartnerControls"/>
+    <ds:schemaRef ds:uri="http://schemas.microsoft.com/office/2006/documentManagement/types"/>
+    <ds:schemaRef ds:uri="http://www.w3.org/XML/1998/namespace"/>
+  </ds:schemaRefs>
+</ds:datastoreItem>
 </file>
 
-<file path=customXml/itemProps1.xml><?xml version="1.0" encoding="utf-8"?>
+<file path=customXml/itemProps2.xml><?xml version="1.0" encoding="utf-8"?>
 <ds:datastoreItem xmlns:ds="http://schemas.openxmlformats.org/officeDocument/2006/customXml" ds:itemID="{348D2F62-F6F5-4583-B474-10D48BE0C7F7}">
   <ds:schemaRefs>
     <ds:schemaRef ds:uri="http://schemas.microsoft.com/office/2006/metadata/contentType"/>
@@ -45831,26 +45854,10 @@
 </ds:datastoreItem>
 </file>
 
-<file path=customXml/itemProps2.xml><?xml version="1.0" encoding="utf-8"?>
+<file path=customXml/itemProps3.xml><?xml version="1.0" encoding="utf-8"?>
 <ds:datastoreItem xmlns:ds="http://schemas.openxmlformats.org/officeDocument/2006/customXml" ds:itemID="{923228D6-D594-4907-8908-B39BE33AC58C}">
   <ds:schemaRefs>
     <ds:schemaRef ds:uri="http://schemas.microsoft.com/sharepoint/v3/contenttype/forms"/>
   </ds:schemaRefs>
 </ds:datastoreItem>
-</file>
-
-<file path=customXml/itemProps3.xml><?xml version="1.0" encoding="utf-8"?>
-<ds:datastoreItem xmlns:ds="http://schemas.openxmlformats.org/officeDocument/2006/customXml" ds:itemID="{E36B5C00-A49D-4F91-89B2-E9D01A16B433}">
-  <ds:schemaRefs>
-    <ds:schemaRef ds:uri="http://purl.org/dc/elements/1.1/"/>
-    <ds:schemaRef ds:uri="http://schemas.microsoft.com/office/2006/metadata/properties"/>
-    <ds:schemaRef ds:uri="58c44ba5-51a4-40bc-b9f0-9fe2032e2130"/>
-    <ds:schemaRef ds:uri="http://purl.org/dc/terms/"/>
-    <ds:schemaRef ds:uri="http://schemas.openxmlformats.org/package/2006/metadata/core-properties"/>
-    <ds:schemaRef ds:uri="http://purl.org/dc/dcmitype/"/>
-    <ds:schemaRef ds:uri="http://schemas.microsoft.com/office/infopath/2007/PartnerControls"/>
-    <ds:schemaRef ds:uri="http://schemas.microsoft.com/office/2006/documentManagement/types"/>
-    <ds:schemaRef ds:uri="http://www.w3.org/XML/1998/namespace"/>
-  </ds:schemaRefs>
-</ds:datastoreItem>
 </file>